--- a/RNA-Seq差异分析脚本说明.pptx
+++ b/RNA-Seq差异分析脚本说明.pptx
@@ -13,8 +13,8 @@
   </p:handoutMasterIdLst>
   <p:sldIdLst>
     <p:sldId id="263" r:id="rId3"/>
-    <p:sldId id="269" r:id="rId4"/>
-    <p:sldId id="272" r:id="rId5"/>
+    <p:sldId id="272" r:id="rId4"/>
+    <p:sldId id="269" r:id="rId5"/>
     <p:sldId id="270" r:id="rId6"/>
     <p:sldId id="271" r:id="rId7"/>
   </p:sldIdLst>
@@ -227,7 +227,7 @@
             <a:fld id="{D146AB34-8A59-452B-BDE6-9BC05493CCCE}" type="datetimeFigureOut">
               <a:rPr lang="zh-CN" altLang="en-US" smtClean="0"/>
               <a:pPr/>
-              <a:t>2025/3/14</a:t>
+              <a:t>2025/3/17</a:t>
             </a:fld>
             <a:endParaRPr lang="zh-CN" altLang="en-US"/>
           </a:p>
@@ -395,7 +395,7 @@
             <a:fld id="{D573A0E9-44B4-430A-BD63-EBD99E8EEE9F}" type="datetimeFigureOut">
               <a:rPr lang="zh-CN" altLang="en-US" smtClean="0"/>
               <a:pPr/>
-              <a:t>2025/3/14</a:t>
+              <a:t>2025/3/17</a:t>
             </a:fld>
             <a:endParaRPr lang="zh-CN" altLang="en-US"/>
           </a:p>
@@ -777,7 +777,7 @@
         <p:cNvPr id="1" name="">
           <a:extLst>
             <a:ext uri="{FF2B5EF4-FFF2-40B4-BE49-F238E27FC236}">
-              <a16:creationId xmlns:a16="http://schemas.microsoft.com/office/drawing/2014/main" id="{7A5CC950-EF32-0A4A-6F23-743163E641D5}"/>
+              <a16:creationId xmlns:a16="http://schemas.microsoft.com/office/drawing/2014/main" id="{9E168B4C-54AC-87F1-39CC-437033ACDAEB}"/>
             </a:ext>
           </a:extLst>
         </p:cNvPr>
@@ -797,7 +797,7 @@
           <p:cNvPr id="2" name="幻灯片图像占位符 1">
             <a:extLst>
               <a:ext uri="{FF2B5EF4-FFF2-40B4-BE49-F238E27FC236}">
-                <a16:creationId xmlns:a16="http://schemas.microsoft.com/office/drawing/2014/main" id="{97A311A9-D42A-6ED0-6EEF-7D29BB3F78E7}"/>
+                <a16:creationId xmlns:a16="http://schemas.microsoft.com/office/drawing/2014/main" id="{00210B64-2A7C-818A-C938-FE2ACD1B22CD}"/>
               </a:ext>
             </a:extLst>
           </p:cNvPr>
@@ -820,7 +820,7 @@
           <p:cNvPr id="3" name="备注占位符 2">
             <a:extLst>
               <a:ext uri="{FF2B5EF4-FFF2-40B4-BE49-F238E27FC236}">
-                <a16:creationId xmlns:a16="http://schemas.microsoft.com/office/drawing/2014/main" id="{5D4E3115-DA63-BACD-6D57-904B35E18774}"/>
+                <a16:creationId xmlns:a16="http://schemas.microsoft.com/office/drawing/2014/main" id="{9F4D07DC-60E1-F92B-09B8-105118A7BB98}"/>
               </a:ext>
             </a:extLst>
           </p:cNvPr>
@@ -850,7 +850,7 @@
           <p:cNvPr id="4" name="灯片编号占位符 3">
             <a:extLst>
               <a:ext uri="{FF2B5EF4-FFF2-40B4-BE49-F238E27FC236}">
-                <a16:creationId xmlns:a16="http://schemas.microsoft.com/office/drawing/2014/main" id="{846F1407-A8DE-810F-E9DB-E7682C6FDF77}"/>
+                <a16:creationId xmlns:a16="http://schemas.microsoft.com/office/drawing/2014/main" id="{6DBF3CEE-BC64-6EC9-5D4C-756EE863CC2B}"/>
               </a:ext>
             </a:extLst>
           </p:cNvPr>
@@ -886,7 +886,7 @@
     </p:spTree>
     <p:extLst>
       <p:ext uri="{BB962C8B-B14F-4D97-AF65-F5344CB8AC3E}">
-        <p14:creationId xmlns:p14="http://schemas.microsoft.com/office/powerpoint/2010/main" val="2524487781"/>
+        <p14:creationId xmlns:p14="http://schemas.microsoft.com/office/powerpoint/2010/main" val="1439897759"/>
       </p:ext>
     </p:extLst>
   </p:cSld>
@@ -904,7 +904,7 @@
         <p:cNvPr id="1" name="">
           <a:extLst>
             <a:ext uri="{FF2B5EF4-FFF2-40B4-BE49-F238E27FC236}">
-              <a16:creationId xmlns:a16="http://schemas.microsoft.com/office/drawing/2014/main" id="{83F3ABC2-7509-2E88-74E6-821BEB3A4F38}"/>
+              <a16:creationId xmlns:a16="http://schemas.microsoft.com/office/drawing/2014/main" id="{7A5CC950-EF32-0A4A-6F23-743163E641D5}"/>
             </a:ext>
           </a:extLst>
         </p:cNvPr>
@@ -924,7 +924,7 @@
           <p:cNvPr id="2" name="幻灯片图像占位符 1">
             <a:extLst>
               <a:ext uri="{FF2B5EF4-FFF2-40B4-BE49-F238E27FC236}">
-                <a16:creationId xmlns:a16="http://schemas.microsoft.com/office/drawing/2014/main" id="{6718AB49-5E6C-141D-FF67-310388B62FB7}"/>
+                <a16:creationId xmlns:a16="http://schemas.microsoft.com/office/drawing/2014/main" id="{97A311A9-D42A-6ED0-6EEF-7D29BB3F78E7}"/>
               </a:ext>
             </a:extLst>
           </p:cNvPr>
@@ -947,7 +947,7 @@
           <p:cNvPr id="3" name="备注占位符 2">
             <a:extLst>
               <a:ext uri="{FF2B5EF4-FFF2-40B4-BE49-F238E27FC236}">
-                <a16:creationId xmlns:a16="http://schemas.microsoft.com/office/drawing/2014/main" id="{611E230D-F189-B7D0-BF8D-34CDACC1622C}"/>
+                <a16:creationId xmlns:a16="http://schemas.microsoft.com/office/drawing/2014/main" id="{5D4E3115-DA63-BACD-6D57-904B35E18774}"/>
               </a:ext>
             </a:extLst>
           </p:cNvPr>
@@ -977,7 +977,7 @@
           <p:cNvPr id="4" name="灯片编号占位符 3">
             <a:extLst>
               <a:ext uri="{FF2B5EF4-FFF2-40B4-BE49-F238E27FC236}">
-                <a16:creationId xmlns:a16="http://schemas.microsoft.com/office/drawing/2014/main" id="{E28D1447-9030-F1EC-A9DA-6542D5040805}"/>
+                <a16:creationId xmlns:a16="http://schemas.microsoft.com/office/drawing/2014/main" id="{846F1407-A8DE-810F-E9DB-E7682C6FDF77}"/>
               </a:ext>
             </a:extLst>
           </p:cNvPr>
@@ -1013,7 +1013,7 @@
     </p:spTree>
     <p:extLst>
       <p:ext uri="{BB962C8B-B14F-4D97-AF65-F5344CB8AC3E}">
-        <p14:creationId xmlns:p14="http://schemas.microsoft.com/office/powerpoint/2010/main" val="877741724"/>
+        <p14:creationId xmlns:p14="http://schemas.microsoft.com/office/powerpoint/2010/main" val="2524487781"/>
       </p:ext>
     </p:extLst>
   </p:cSld>
@@ -8309,6 +8309,196 @@
         <p:cNvPr id="1" name="">
           <a:extLst>
             <a:ext uri="{FF2B5EF4-FFF2-40B4-BE49-F238E27FC236}">
+              <a16:creationId xmlns:a16="http://schemas.microsoft.com/office/drawing/2014/main" id="{273AF0C9-A7CD-7FCA-82D5-6455FBE831BD}"/>
+            </a:ext>
+          </a:extLst>
+        </p:cNvPr>
+        <p:cNvGrpSpPr/>
+        <p:nvPr/>
+      </p:nvGrpSpPr>
+      <p:grpSpPr>
+        <a:xfrm>
+          <a:off x="0" y="0"/>
+          <a:ext cx="0" cy="0"/>
+          <a:chOff x="0" y="0"/>
+          <a:chExt cx="0" cy="0"/>
+        </a:xfrm>
+      </p:grpSpPr>
+      <p:sp>
+        <p:nvSpPr>
+          <p:cNvPr id="2" name="文本框 1">
+            <a:extLst>
+              <a:ext uri="{FF2B5EF4-FFF2-40B4-BE49-F238E27FC236}">
+                <a16:creationId xmlns:a16="http://schemas.microsoft.com/office/drawing/2014/main" id="{D57FF07D-A484-C36D-21DA-21145C293342}"/>
+              </a:ext>
+            </a:extLst>
+          </p:cNvPr>
+          <p:cNvSpPr txBox="1"/>
+          <p:nvPr/>
+        </p:nvSpPr>
+        <p:spPr>
+          <a:xfrm>
+            <a:off x="992560" y="404664"/>
+            <a:ext cx="1744388" cy="369332"/>
+          </a:xfrm>
+          <a:prstGeom prst="rect">
+            <a:avLst/>
+          </a:prstGeom>
+          <a:noFill/>
+        </p:spPr>
+        <p:txBody>
+          <a:bodyPr wrap="none" rtlCol="0">
+            <a:spAutoFit/>
+          </a:bodyPr>
+          <a:lstStyle/>
+          <a:p>
+            <a:r>
+              <a:rPr lang="en-US" altLang="zh-CN"/>
+              <a:t>0.</a:t>
+            </a:r>
+            <a:r>
+              <a:rPr lang="zh-CN" altLang="en-US"/>
+              <a:t>配置运行环境</a:t>
+            </a:r>
+          </a:p>
+        </p:txBody>
+      </p:sp>
+      <p:sp>
+        <p:nvSpPr>
+          <p:cNvPr id="3" name="文本框 2">
+            <a:extLst>
+              <a:ext uri="{FF2B5EF4-FFF2-40B4-BE49-F238E27FC236}">
+                <a16:creationId xmlns:a16="http://schemas.microsoft.com/office/drawing/2014/main" id="{23B06368-E2D6-B262-2237-51151A278F82}"/>
+              </a:ext>
+            </a:extLst>
+          </p:cNvPr>
+          <p:cNvSpPr txBox="1"/>
+          <p:nvPr/>
+        </p:nvSpPr>
+        <p:spPr>
+          <a:xfrm>
+            <a:off x="992560" y="1340768"/>
+            <a:ext cx="7585538" cy="2031325"/>
+          </a:xfrm>
+          <a:prstGeom prst="rect">
+            <a:avLst/>
+          </a:prstGeom>
+          <a:noFill/>
+        </p:spPr>
+        <p:txBody>
+          <a:bodyPr wrap="none" rtlCol="0">
+            <a:spAutoFit/>
+          </a:bodyPr>
+          <a:lstStyle/>
+          <a:p>
+            <a:r>
+              <a:rPr lang="zh-CN" altLang="en-US"/>
+              <a:t>首先需要配置</a:t>
+            </a:r>
+            <a:r>
+              <a:rPr lang="en-US" altLang="zh-CN"/>
+              <a:t>conda</a:t>
+            </a:r>
+            <a:r>
+              <a:rPr lang="zh-CN" altLang="en-US"/>
+              <a:t>（网上有教程，这里略）</a:t>
+            </a:r>
+            <a:endParaRPr lang="en-US" altLang="zh-CN"/>
+          </a:p>
+          <a:p>
+            <a:r>
+              <a:rPr lang="zh-CN" altLang="en-US"/>
+              <a:t>运行</a:t>
+            </a:r>
+            <a:r>
+              <a:rPr lang="en-US" altLang="zh-CN"/>
+              <a:t>010.create_env.sh</a:t>
+            </a:r>
+          </a:p>
+          <a:p>
+            <a:r>
+              <a:rPr lang="zh-CN" altLang="en-US"/>
+              <a:t>输入：</a:t>
+            </a:r>
+            <a:r>
+              <a:rPr lang="en-US" altLang="zh-CN"/>
+              <a:t>bash 010.create_env.sh</a:t>
+            </a:r>
+          </a:p>
+          <a:p>
+            <a:r>
+              <a:rPr lang="zh-CN" altLang="en-US"/>
+              <a:t>然后安装软件包：</a:t>
+            </a:r>
+            <a:endParaRPr lang="en-US" altLang="zh-CN"/>
+          </a:p>
+          <a:p>
+            <a:r>
+              <a:rPr lang="zh-CN" altLang="en-US"/>
+              <a:t>输入：</a:t>
+            </a:r>
+            <a:r>
+              <a:rPr lang="en-US" altLang="zh-CN"/>
+              <a:t>011.install_pkg.sh</a:t>
+            </a:r>
+          </a:p>
+          <a:p>
+            <a:endParaRPr lang="en-US" altLang="zh-CN"/>
+          </a:p>
+          <a:p>
+            <a:r>
+              <a:rPr lang="zh-CN" altLang="en-US"/>
+              <a:t>调整</a:t>
+            </a:r>
+            <a:r>
+              <a:rPr lang="en-US" altLang="zh-CN"/>
+              <a:t>100.RNA_seq.R</a:t>
+            </a:r>
+            <a:r>
+              <a:rPr lang="zh-CN" altLang="en-US"/>
+              <a:t>脚本中</a:t>
+            </a:r>
+            <a:r>
+              <a:rPr lang="en-US" altLang="zh-CN"/>
+              <a:t>source</a:t>
+            </a:r>
+            <a:r>
+              <a:rPr lang="zh-CN" altLang="en-US"/>
+              <a:t>函数路径，所有函数都在</a:t>
+            </a:r>
+            <a:r>
+              <a:rPr lang="en-US" altLang="zh-CN"/>
+              <a:t>jzx_Function</a:t>
+            </a:r>
+            <a:r>
+              <a:rPr lang="zh-CN" altLang="en-US"/>
+              <a:t>库中</a:t>
+            </a:r>
+            <a:endParaRPr lang="en-US" altLang="zh-CN"/>
+          </a:p>
+        </p:txBody>
+      </p:sp>
+    </p:spTree>
+    <p:extLst>
+      <p:ext uri="{BB962C8B-B14F-4D97-AF65-F5344CB8AC3E}">
+        <p14:creationId xmlns:p14="http://schemas.microsoft.com/office/powerpoint/2010/main" val="118230111"/>
+      </p:ext>
+    </p:extLst>
+  </p:cSld>
+  <p:clrMapOvr>
+    <a:masterClrMapping/>
+  </p:clrMapOvr>
+</p:sld>
+</file>
+
+<file path=ppt/slides/slide3.xml><?xml version="1.0" encoding="utf-8"?>
+<p:sld xmlns:a="http://schemas.openxmlformats.org/drawingml/2006/main" xmlns:r="http://schemas.openxmlformats.org/officeDocument/2006/relationships" xmlns:p="http://schemas.openxmlformats.org/presentationml/2006/main">
+  <p:cSld>
+    <p:spTree>
+      <p:nvGrpSpPr>
+        <p:cNvPr id="1" name="">
+          <a:extLst>
+            <a:ext uri="{FF2B5EF4-FFF2-40B4-BE49-F238E27FC236}">
               <a16:creationId xmlns:a16="http://schemas.microsoft.com/office/drawing/2014/main" id="{F35C8041-F78E-511F-5703-2E542E8A6BED}"/>
             </a:ext>
           </a:extLst>
@@ -8818,1238 +9008,6 @@
     <p:extLst>
       <p:ext uri="{BB962C8B-B14F-4D97-AF65-F5344CB8AC3E}">
         <p14:creationId xmlns:p14="http://schemas.microsoft.com/office/powerpoint/2010/main" val="88837392"/>
-      </p:ext>
-    </p:extLst>
-  </p:cSld>
-  <p:clrMapOvr>
-    <a:masterClrMapping/>
-  </p:clrMapOvr>
-</p:sld>
-</file>
-
-<file path=ppt/slides/slide3.xml><?xml version="1.0" encoding="utf-8"?>
-<p:sld xmlns:a="http://schemas.openxmlformats.org/drawingml/2006/main" xmlns:r="http://schemas.openxmlformats.org/officeDocument/2006/relationships" xmlns:p="http://schemas.openxmlformats.org/presentationml/2006/main">
-  <p:cSld>
-    <p:spTree>
-      <p:nvGrpSpPr>
-        <p:cNvPr id="1" name="">
-          <a:extLst>
-            <a:ext uri="{FF2B5EF4-FFF2-40B4-BE49-F238E27FC236}">
-              <a16:creationId xmlns:a16="http://schemas.microsoft.com/office/drawing/2014/main" id="{98BF2BFB-D027-98AA-4DFF-D056819A1D63}"/>
-            </a:ext>
-          </a:extLst>
-        </p:cNvPr>
-        <p:cNvGrpSpPr/>
-        <p:nvPr/>
-      </p:nvGrpSpPr>
-      <p:grpSpPr>
-        <a:xfrm>
-          <a:off x="0" y="0"/>
-          <a:ext cx="0" cy="0"/>
-          <a:chOff x="0" y="0"/>
-          <a:chExt cx="0" cy="0"/>
-        </a:xfrm>
-      </p:grpSpPr>
-      <p:sp>
-        <p:nvSpPr>
-          <p:cNvPr id="43" name="TextBox 102">
-            <a:extLst>
-              <a:ext uri="{FF2B5EF4-FFF2-40B4-BE49-F238E27FC236}">
-                <a16:creationId xmlns:a16="http://schemas.microsoft.com/office/drawing/2014/main" id="{9B41139B-F8C9-A196-925D-5F8ABF5F83A4}"/>
-              </a:ext>
-            </a:extLst>
-          </p:cNvPr>
-          <p:cNvSpPr txBox="1"/>
-          <p:nvPr/>
-        </p:nvSpPr>
-        <p:spPr>
-          <a:xfrm>
-            <a:off x="3245278" y="812322"/>
-            <a:ext cx="1276311" cy="461665"/>
-          </a:xfrm>
-          <a:prstGeom prst="rect">
-            <a:avLst/>
-          </a:prstGeom>
-          <a:solidFill>
-            <a:srgbClr val="00B0F0"/>
-          </a:solidFill>
-        </p:spPr>
-        <p:style>
-          <a:lnRef idx="1">
-            <a:schemeClr val="accent3"/>
-          </a:lnRef>
-          <a:fillRef idx="2">
-            <a:schemeClr val="accent3"/>
-          </a:fillRef>
-          <a:effectRef idx="1">
-            <a:schemeClr val="accent3"/>
-          </a:effectRef>
-          <a:fontRef idx="minor">
-            <a:schemeClr val="dk1"/>
-          </a:fontRef>
-        </p:style>
-        <p:txBody>
-          <a:bodyPr wrap="none" rtlCol="0">
-            <a:spAutoFit/>
-          </a:bodyPr>
-          <a:lstStyle/>
-          <a:p>
-            <a:r>
-              <a:rPr lang="zh-CN" altLang="en-US" sz="1200">
-                <a:latin typeface="微软雅黑" panose="020B0503020204020204" pitchFamily="34" charset="-122"/>
-                <a:ea typeface="微软雅黑" panose="020B0503020204020204" pitchFamily="34" charset="-122"/>
-              </a:rPr>
-              <a:t>配置文件</a:t>
-            </a:r>
-            <a:endParaRPr lang="en-US" altLang="zh-CN" sz="1200">
-              <a:latin typeface="微软雅黑" panose="020B0503020204020204" pitchFamily="34" charset="-122"/>
-              <a:ea typeface="微软雅黑" panose="020B0503020204020204" pitchFamily="34" charset="-122"/>
-            </a:endParaRPr>
-          </a:p>
-          <a:p>
-            <a:r>
-              <a:rPr lang="en-US" altLang="zh-CN" sz="1200">
-                <a:latin typeface="微软雅黑" panose="020B0503020204020204" pitchFamily="34" charset="-122"/>
-                <a:ea typeface="微软雅黑" panose="020B0503020204020204" pitchFamily="34" charset="-122"/>
-              </a:rPr>
-              <a:t>DEG_config.tsv</a:t>
-            </a:r>
-            <a:endParaRPr lang="en-US" altLang="zh-CN" sz="1200" dirty="0">
-              <a:latin typeface="微软雅黑" panose="020B0503020204020204" pitchFamily="34" charset="-122"/>
-              <a:ea typeface="微软雅黑" panose="020B0503020204020204" pitchFamily="34" charset="-122"/>
-            </a:endParaRPr>
-          </a:p>
-        </p:txBody>
-      </p:sp>
-      <p:sp>
-        <p:nvSpPr>
-          <p:cNvPr id="44" name="TextBox 106">
-            <a:extLst>
-              <a:ext uri="{FF2B5EF4-FFF2-40B4-BE49-F238E27FC236}">
-                <a16:creationId xmlns:a16="http://schemas.microsoft.com/office/drawing/2014/main" id="{9F1D9EED-08BA-A8EA-2481-CE7E327ACA84}"/>
-              </a:ext>
-            </a:extLst>
-          </p:cNvPr>
-          <p:cNvSpPr txBox="1"/>
-          <p:nvPr/>
-        </p:nvSpPr>
-        <p:spPr>
-          <a:xfrm>
-            <a:off x="2987935" y="1810248"/>
-            <a:ext cx="1790996" cy="276999"/>
-          </a:xfrm>
-          <a:prstGeom prst="rect">
-            <a:avLst/>
-          </a:prstGeom>
-        </p:spPr>
-        <p:style>
-          <a:lnRef idx="1">
-            <a:schemeClr val="accent3"/>
-          </a:lnRef>
-          <a:fillRef idx="2">
-            <a:schemeClr val="accent3"/>
-          </a:fillRef>
-          <a:effectRef idx="1">
-            <a:schemeClr val="accent3"/>
-          </a:effectRef>
-          <a:fontRef idx="minor">
-            <a:schemeClr val="dk1"/>
-          </a:fontRef>
-        </p:style>
-        <p:txBody>
-          <a:bodyPr wrap="square" rtlCol="0">
-            <a:spAutoFit/>
-          </a:bodyPr>
-          <a:lstStyle/>
-          <a:p>
-            <a:r>
-              <a:rPr lang="zh-CN" altLang="en-US" sz="1200">
-                <a:latin typeface="微软雅黑" panose="020B0503020204020204" pitchFamily="34" charset="-122"/>
-                <a:ea typeface="微软雅黑" panose="020B0503020204020204" pitchFamily="34" charset="-122"/>
-              </a:rPr>
-              <a:t>是否输入</a:t>
-            </a:r>
-            <a:r>
-              <a:rPr lang="en-US" altLang="zh-CN" sz="1200">
-                <a:latin typeface="微软雅黑" panose="020B0503020204020204" pitchFamily="34" charset="-122"/>
-                <a:ea typeface="微软雅黑" panose="020B0503020204020204" pitchFamily="34" charset="-122"/>
-              </a:rPr>
-              <a:t>GSE_number</a:t>
-            </a:r>
-            <a:endParaRPr lang="zh-CN" altLang="en-US" sz="1200" dirty="0">
-              <a:latin typeface="微软雅黑" panose="020B0503020204020204" pitchFamily="34" charset="-122"/>
-              <a:ea typeface="微软雅黑" panose="020B0503020204020204" pitchFamily="34" charset="-122"/>
-            </a:endParaRPr>
-          </a:p>
-        </p:txBody>
-      </p:sp>
-      <p:sp>
-        <p:nvSpPr>
-          <p:cNvPr id="55" name="TextBox 102">
-            <a:extLst>
-              <a:ext uri="{FF2B5EF4-FFF2-40B4-BE49-F238E27FC236}">
-                <a16:creationId xmlns:a16="http://schemas.microsoft.com/office/drawing/2014/main" id="{72A95C1D-8F70-6BBA-8137-F3FC21193991}"/>
-              </a:ext>
-            </a:extLst>
-          </p:cNvPr>
-          <p:cNvSpPr txBox="1"/>
-          <p:nvPr/>
-        </p:nvSpPr>
-        <p:spPr>
-          <a:xfrm>
-            <a:off x="5384413" y="812321"/>
-            <a:ext cx="1033360" cy="461665"/>
-          </a:xfrm>
-          <a:prstGeom prst="rect">
-            <a:avLst/>
-          </a:prstGeom>
-          <a:solidFill>
-            <a:srgbClr val="00B0F0"/>
-          </a:solidFill>
-        </p:spPr>
-        <p:style>
-          <a:lnRef idx="1">
-            <a:schemeClr val="accent3"/>
-          </a:lnRef>
-          <a:fillRef idx="2">
-            <a:schemeClr val="accent3"/>
-          </a:fillRef>
-          <a:effectRef idx="1">
-            <a:schemeClr val="accent3"/>
-          </a:effectRef>
-          <a:fontRef idx="minor">
-            <a:schemeClr val="dk1"/>
-          </a:fontRef>
-        </p:style>
-        <p:txBody>
-          <a:bodyPr wrap="none" rtlCol="0">
-            <a:spAutoFit/>
-          </a:bodyPr>
-          <a:lstStyle/>
-          <a:p>
-            <a:r>
-              <a:rPr lang="zh-CN" altLang="en-US" sz="1200">
-                <a:latin typeface="微软雅黑" panose="020B0503020204020204" pitchFamily="34" charset="-122"/>
-                <a:ea typeface="微软雅黑" panose="020B0503020204020204" pitchFamily="34" charset="-122"/>
-              </a:rPr>
-              <a:t>表达矩阵</a:t>
-            </a:r>
-            <a:endParaRPr lang="en-US" altLang="zh-CN" sz="1200">
-              <a:latin typeface="微软雅黑" panose="020B0503020204020204" pitchFamily="34" charset="-122"/>
-              <a:ea typeface="微软雅黑" panose="020B0503020204020204" pitchFamily="34" charset="-122"/>
-            </a:endParaRPr>
-          </a:p>
-          <a:p>
-            <a:r>
-              <a:rPr lang="zh-CN" altLang="en-US" sz="1200">
-                <a:latin typeface="微软雅黑" panose="020B0503020204020204" pitchFamily="34" charset="-122"/>
-                <a:ea typeface="微软雅黑" panose="020B0503020204020204" pitchFamily="34" charset="-122"/>
-              </a:rPr>
-              <a:t>项目编号</a:t>
-            </a:r>
-            <a:r>
-              <a:rPr lang="en-US" altLang="zh-CN" sz="1200">
-                <a:latin typeface="微软雅黑" panose="020B0503020204020204" pitchFamily="34" charset="-122"/>
-                <a:ea typeface="微软雅黑" panose="020B0503020204020204" pitchFamily="34" charset="-122"/>
-              </a:rPr>
-              <a:t>.txt</a:t>
-            </a:r>
-            <a:endParaRPr lang="en-US" altLang="zh-CN" sz="1200" dirty="0">
-              <a:latin typeface="微软雅黑" panose="020B0503020204020204" pitchFamily="34" charset="-122"/>
-              <a:ea typeface="微软雅黑" panose="020B0503020204020204" pitchFamily="34" charset="-122"/>
-            </a:endParaRPr>
-          </a:p>
-        </p:txBody>
-      </p:sp>
-      <p:cxnSp>
-        <p:nvCxnSpPr>
-          <p:cNvPr id="64" name="连接符: 肘形 63">
-            <a:extLst>
-              <a:ext uri="{FF2B5EF4-FFF2-40B4-BE49-F238E27FC236}">
-                <a16:creationId xmlns:a16="http://schemas.microsoft.com/office/drawing/2014/main" id="{5D840D17-188D-68C8-343E-4A72EFEBA8DA}"/>
-              </a:ext>
-            </a:extLst>
-          </p:cNvPr>
-          <p:cNvCxnSpPr>
-            <a:cxnSpLocks/>
-            <a:stCxn id="44" idx="2"/>
-            <a:endCxn id="78" idx="0"/>
-          </p:cNvCxnSpPr>
-          <p:nvPr/>
-        </p:nvCxnSpPr>
-        <p:spPr>
-          <a:xfrm rot="5400000">
-            <a:off x="3017749" y="1757823"/>
-            <a:ext cx="536260" cy="1195109"/>
-          </a:xfrm>
-          <a:prstGeom prst="bentConnector3">
-            <a:avLst>
-              <a:gd name="adj1" fmla="val 50000"/>
-            </a:avLst>
-          </a:prstGeom>
-          <a:ln w="19050">
-            <a:tailEnd type="arrow"/>
-          </a:ln>
-        </p:spPr>
-        <p:style>
-          <a:lnRef idx="1">
-            <a:schemeClr val="accent1"/>
-          </a:lnRef>
-          <a:fillRef idx="0">
-            <a:schemeClr val="accent1"/>
-          </a:fillRef>
-          <a:effectRef idx="0">
-            <a:schemeClr val="accent1"/>
-          </a:effectRef>
-          <a:fontRef idx="minor">
-            <a:schemeClr val="tx1"/>
-          </a:fontRef>
-        </p:style>
-      </p:cxnSp>
-      <p:cxnSp>
-        <p:nvCxnSpPr>
-          <p:cNvPr id="65" name="直接箭头连接符 64">
-            <a:extLst>
-              <a:ext uri="{FF2B5EF4-FFF2-40B4-BE49-F238E27FC236}">
-                <a16:creationId xmlns:a16="http://schemas.microsoft.com/office/drawing/2014/main" id="{E50D0183-21A6-B960-63B8-345B534AE551}"/>
-              </a:ext>
-            </a:extLst>
-          </p:cNvPr>
-          <p:cNvCxnSpPr>
-            <a:cxnSpLocks/>
-            <a:stCxn id="43" idx="2"/>
-            <a:endCxn id="44" idx="0"/>
-          </p:cNvCxnSpPr>
-          <p:nvPr/>
-        </p:nvCxnSpPr>
-        <p:spPr>
-          <a:xfrm flipH="1">
-            <a:off x="3883433" y="1273987"/>
-            <a:ext cx="1" cy="536261"/>
-          </a:xfrm>
-          <a:prstGeom prst="straightConnector1">
-            <a:avLst/>
-          </a:prstGeom>
-          <a:ln w="19050">
-            <a:tailEnd type="arrow"/>
-          </a:ln>
-        </p:spPr>
-        <p:style>
-          <a:lnRef idx="1">
-            <a:schemeClr val="accent1"/>
-          </a:lnRef>
-          <a:fillRef idx="0">
-            <a:schemeClr val="accent1"/>
-          </a:fillRef>
-          <a:effectRef idx="0">
-            <a:schemeClr val="accent1"/>
-          </a:effectRef>
-          <a:fontRef idx="minor">
-            <a:schemeClr val="tx1"/>
-          </a:fontRef>
-        </p:style>
-      </p:cxnSp>
-      <p:sp>
-        <p:nvSpPr>
-          <p:cNvPr id="78" name="TextBox 118">
-            <a:extLst>
-              <a:ext uri="{FF2B5EF4-FFF2-40B4-BE49-F238E27FC236}">
-                <a16:creationId xmlns:a16="http://schemas.microsoft.com/office/drawing/2014/main" id="{A5A5E99F-B740-A077-80A7-05CDA010F749}"/>
-              </a:ext>
-            </a:extLst>
-          </p:cNvPr>
-          <p:cNvSpPr txBox="1"/>
-          <p:nvPr/>
-        </p:nvSpPr>
-        <p:spPr>
-          <a:xfrm>
-            <a:off x="2189945" y="2623507"/>
-            <a:ext cx="996757" cy="461665"/>
-          </a:xfrm>
-          <a:prstGeom prst="rect">
-            <a:avLst/>
-          </a:prstGeom>
-        </p:spPr>
-        <p:style>
-          <a:lnRef idx="1">
-            <a:schemeClr val="accent3"/>
-          </a:lnRef>
-          <a:fillRef idx="2">
-            <a:schemeClr val="accent3"/>
-          </a:fillRef>
-          <a:effectRef idx="1">
-            <a:schemeClr val="accent3"/>
-          </a:effectRef>
-          <a:fontRef idx="minor">
-            <a:schemeClr val="dk1"/>
-          </a:fontRef>
-        </p:style>
-        <p:txBody>
-          <a:bodyPr wrap="square" rtlCol="0">
-            <a:spAutoFit/>
-          </a:bodyPr>
-          <a:lstStyle/>
-          <a:p>
-            <a:r>
-              <a:rPr lang="zh-CN" altLang="en-US" sz="1200">
-                <a:latin typeface="微软雅黑" panose="020B0503020204020204" pitchFamily="34" charset="-122"/>
-                <a:ea typeface="微软雅黑" panose="020B0503020204020204" pitchFamily="34" charset="-122"/>
-              </a:rPr>
-              <a:t>获取芯片数据并</a:t>
-            </a:r>
-            <a:r>
-              <a:rPr lang="en-US" altLang="zh-CN" sz="1200">
-                <a:latin typeface="微软雅黑" panose="020B0503020204020204" pitchFamily="34" charset="-122"/>
-                <a:ea typeface="微软雅黑" panose="020B0503020204020204" pitchFamily="34" charset="-122"/>
-              </a:rPr>
-              <a:t>ID</a:t>
-            </a:r>
-            <a:r>
-              <a:rPr lang="zh-CN" altLang="en-US" sz="1200">
-                <a:latin typeface="微软雅黑" panose="020B0503020204020204" pitchFamily="34" charset="-122"/>
-                <a:ea typeface="微软雅黑" panose="020B0503020204020204" pitchFamily="34" charset="-122"/>
-              </a:rPr>
-              <a:t>转换</a:t>
-            </a:r>
-            <a:endParaRPr lang="zh-CN" altLang="en-US" sz="1200" dirty="0">
-              <a:latin typeface="微软雅黑" panose="020B0503020204020204" pitchFamily="34" charset="-122"/>
-              <a:ea typeface="微软雅黑" panose="020B0503020204020204" pitchFamily="34" charset="-122"/>
-            </a:endParaRPr>
-          </a:p>
-        </p:txBody>
-      </p:sp>
-      <p:sp>
-        <p:nvSpPr>
-          <p:cNvPr id="81" name="TextBox 28">
-            <a:extLst>
-              <a:ext uri="{FF2B5EF4-FFF2-40B4-BE49-F238E27FC236}">
-                <a16:creationId xmlns:a16="http://schemas.microsoft.com/office/drawing/2014/main" id="{1C5787A8-AF65-68DC-DBC8-59E775C35551}"/>
-              </a:ext>
-            </a:extLst>
-          </p:cNvPr>
-          <p:cNvSpPr txBox="1"/>
-          <p:nvPr/>
-        </p:nvSpPr>
-        <p:spPr>
-          <a:xfrm>
-            <a:off x="2929814" y="2111008"/>
-            <a:ext cx="827937" cy="276999"/>
-          </a:xfrm>
-          <a:prstGeom prst="rect">
-            <a:avLst/>
-          </a:prstGeom>
-          <a:noFill/>
-          <a:ln>
-            <a:noFill/>
-          </a:ln>
-        </p:spPr>
-        <p:style>
-          <a:lnRef idx="1">
-            <a:schemeClr val="accent2"/>
-          </a:lnRef>
-          <a:fillRef idx="2">
-            <a:schemeClr val="accent2"/>
-          </a:fillRef>
-          <a:effectRef idx="1">
-            <a:schemeClr val="accent2"/>
-          </a:effectRef>
-          <a:fontRef idx="minor">
-            <a:schemeClr val="dk1"/>
-          </a:fontRef>
-        </p:style>
-        <p:txBody>
-          <a:bodyPr wrap="square" rtlCol="0">
-            <a:spAutoFit/>
-          </a:bodyPr>
-          <a:lstStyle>
-            <a:defPPr>
-              <a:defRPr lang="zh-CN"/>
-            </a:defPPr>
-            <a:lvl1pPr>
-              <a:defRPr sz="1200" b="1">
-                <a:solidFill>
-                  <a:schemeClr val="accent6">
-                    <a:lumMod val="75000"/>
-                  </a:schemeClr>
-                </a:solidFill>
-                <a:latin typeface="微软雅黑" panose="020B0503020204020204" pitchFamily="34" charset="-122"/>
-                <a:ea typeface="微软雅黑" panose="020B0503020204020204" pitchFamily="34" charset="-122"/>
-              </a:defRPr>
-            </a:lvl1pPr>
-          </a:lstStyle>
-          <a:p>
-            <a:r>
-              <a:rPr lang="en-US" altLang="zh-CN"/>
-              <a:t>TRUE</a:t>
-            </a:r>
-            <a:endParaRPr lang="zh-CN" altLang="en-US" dirty="0"/>
-          </a:p>
-        </p:txBody>
-      </p:sp>
-      <p:cxnSp>
-        <p:nvCxnSpPr>
-          <p:cNvPr id="82" name="连接符: 肘形 81">
-            <a:extLst>
-              <a:ext uri="{FF2B5EF4-FFF2-40B4-BE49-F238E27FC236}">
-                <a16:creationId xmlns:a16="http://schemas.microsoft.com/office/drawing/2014/main" id="{354FA5D2-EDB3-C350-B413-0474A3742EC0}"/>
-              </a:ext>
-            </a:extLst>
-          </p:cNvPr>
-          <p:cNvCxnSpPr>
-            <a:cxnSpLocks/>
-            <a:stCxn id="44" idx="2"/>
-            <a:endCxn id="83" idx="0"/>
-          </p:cNvCxnSpPr>
-          <p:nvPr/>
-        </p:nvCxnSpPr>
-        <p:spPr>
-          <a:xfrm rot="16200000" flipH="1">
-            <a:off x="4062845" y="1907834"/>
-            <a:ext cx="536261" cy="895085"/>
-          </a:xfrm>
-          <a:prstGeom prst="bentConnector3">
-            <a:avLst>
-              <a:gd name="adj1" fmla="val 50000"/>
-            </a:avLst>
-          </a:prstGeom>
-          <a:ln w="19050">
-            <a:tailEnd type="arrow"/>
-          </a:ln>
-        </p:spPr>
-        <p:style>
-          <a:lnRef idx="1">
-            <a:schemeClr val="accent1"/>
-          </a:lnRef>
-          <a:fillRef idx="0">
-            <a:schemeClr val="accent1"/>
-          </a:fillRef>
-          <a:effectRef idx="0">
-            <a:schemeClr val="accent1"/>
-          </a:effectRef>
-          <a:fontRef idx="minor">
-            <a:schemeClr val="tx1"/>
-          </a:fontRef>
-        </p:style>
-      </p:cxnSp>
-      <p:sp>
-        <p:nvSpPr>
-          <p:cNvPr id="83" name="TextBox 118">
-            <a:extLst>
-              <a:ext uri="{FF2B5EF4-FFF2-40B4-BE49-F238E27FC236}">
-                <a16:creationId xmlns:a16="http://schemas.microsoft.com/office/drawing/2014/main" id="{1CD6837E-8153-44BA-B3AE-31221A9A7A87}"/>
-              </a:ext>
-            </a:extLst>
-          </p:cNvPr>
-          <p:cNvSpPr txBox="1"/>
-          <p:nvPr/>
-        </p:nvSpPr>
-        <p:spPr>
-          <a:xfrm>
-            <a:off x="4280139" y="2623508"/>
-            <a:ext cx="996757" cy="461665"/>
-          </a:xfrm>
-          <a:prstGeom prst="rect">
-            <a:avLst/>
-          </a:prstGeom>
-        </p:spPr>
-        <p:style>
-          <a:lnRef idx="1">
-            <a:schemeClr val="accent3"/>
-          </a:lnRef>
-          <a:fillRef idx="2">
-            <a:schemeClr val="accent3"/>
-          </a:fillRef>
-          <a:effectRef idx="1">
-            <a:schemeClr val="accent3"/>
-          </a:effectRef>
-          <a:fontRef idx="minor">
-            <a:schemeClr val="dk1"/>
-          </a:fontRef>
-        </p:style>
-        <p:txBody>
-          <a:bodyPr wrap="square" rtlCol="0">
-            <a:spAutoFit/>
-          </a:bodyPr>
-          <a:lstStyle/>
-          <a:p>
-            <a:r>
-              <a:rPr lang="zh-CN" altLang="en-US" sz="1200">
-                <a:latin typeface="微软雅黑" panose="020B0503020204020204" pitchFamily="34" charset="-122"/>
-                <a:ea typeface="微软雅黑" panose="020B0503020204020204" pitchFamily="34" charset="-122"/>
-              </a:rPr>
-              <a:t>读取已有的表达矩阵</a:t>
-            </a:r>
-            <a:endParaRPr lang="zh-CN" altLang="en-US" sz="1200" dirty="0">
-              <a:latin typeface="微软雅黑" panose="020B0503020204020204" pitchFamily="34" charset="-122"/>
-              <a:ea typeface="微软雅黑" panose="020B0503020204020204" pitchFamily="34" charset="-122"/>
-            </a:endParaRPr>
-          </a:p>
-        </p:txBody>
-      </p:sp>
-      <p:sp>
-        <p:nvSpPr>
-          <p:cNvPr id="84" name="TextBox 28">
-            <a:extLst>
-              <a:ext uri="{FF2B5EF4-FFF2-40B4-BE49-F238E27FC236}">
-                <a16:creationId xmlns:a16="http://schemas.microsoft.com/office/drawing/2014/main" id="{804414F5-033C-7459-1EB9-B962C105857E}"/>
-              </a:ext>
-            </a:extLst>
-          </p:cNvPr>
-          <p:cNvSpPr txBox="1"/>
-          <p:nvPr/>
-        </p:nvSpPr>
-        <p:spPr>
-          <a:xfrm>
-            <a:off x="4076263" y="2093696"/>
-            <a:ext cx="827937" cy="276999"/>
-          </a:xfrm>
-          <a:prstGeom prst="rect">
-            <a:avLst/>
-          </a:prstGeom>
-          <a:noFill/>
-          <a:ln>
-            <a:noFill/>
-          </a:ln>
-        </p:spPr>
-        <p:style>
-          <a:lnRef idx="1">
-            <a:schemeClr val="accent2"/>
-          </a:lnRef>
-          <a:fillRef idx="2">
-            <a:schemeClr val="accent2"/>
-          </a:fillRef>
-          <a:effectRef idx="1">
-            <a:schemeClr val="accent2"/>
-          </a:effectRef>
-          <a:fontRef idx="minor">
-            <a:schemeClr val="dk1"/>
-          </a:fontRef>
-        </p:style>
-        <p:txBody>
-          <a:bodyPr wrap="square" rtlCol="0">
-            <a:spAutoFit/>
-          </a:bodyPr>
-          <a:lstStyle>
-            <a:defPPr>
-              <a:defRPr lang="zh-CN"/>
-            </a:defPPr>
-            <a:lvl1pPr>
-              <a:defRPr sz="1200" b="1">
-                <a:solidFill>
-                  <a:schemeClr val="accent6">
-                    <a:lumMod val="75000"/>
-                  </a:schemeClr>
-                </a:solidFill>
-                <a:latin typeface="微软雅黑" panose="020B0503020204020204" pitchFamily="34" charset="-122"/>
-                <a:ea typeface="微软雅黑" panose="020B0503020204020204" pitchFamily="34" charset="-122"/>
-              </a:defRPr>
-            </a:lvl1pPr>
-          </a:lstStyle>
-          <a:p>
-            <a:r>
-              <a:rPr lang="en-US" altLang="zh-CN"/>
-              <a:t>FALSE</a:t>
-            </a:r>
-            <a:endParaRPr lang="zh-CN" altLang="en-US" dirty="0"/>
-          </a:p>
-        </p:txBody>
-      </p:sp>
-      <p:cxnSp>
-        <p:nvCxnSpPr>
-          <p:cNvPr id="92" name="连接符: 肘形 91">
-            <a:extLst>
-              <a:ext uri="{FF2B5EF4-FFF2-40B4-BE49-F238E27FC236}">
-                <a16:creationId xmlns:a16="http://schemas.microsoft.com/office/drawing/2014/main" id="{F180FA04-CB85-3C37-9097-B3C22BF0704F}"/>
-              </a:ext>
-            </a:extLst>
-          </p:cNvPr>
-          <p:cNvCxnSpPr>
-            <a:cxnSpLocks/>
-            <a:stCxn id="55" idx="2"/>
-            <a:endCxn id="83" idx="3"/>
-          </p:cNvCxnSpPr>
-          <p:nvPr/>
-        </p:nvCxnSpPr>
-        <p:spPr>
-          <a:xfrm rot="5400000">
-            <a:off x="4798818" y="1752065"/>
-            <a:ext cx="1580355" cy="624197"/>
-          </a:xfrm>
-          <a:prstGeom prst="bentConnector2">
-            <a:avLst/>
-          </a:prstGeom>
-          <a:ln w="19050">
-            <a:tailEnd type="arrow"/>
-          </a:ln>
-        </p:spPr>
-        <p:style>
-          <a:lnRef idx="1">
-            <a:schemeClr val="accent1"/>
-          </a:lnRef>
-          <a:fillRef idx="0">
-            <a:schemeClr val="accent1"/>
-          </a:fillRef>
-          <a:effectRef idx="0">
-            <a:schemeClr val="accent1"/>
-          </a:effectRef>
-          <a:fontRef idx="minor">
-            <a:schemeClr val="tx1"/>
-          </a:fontRef>
-        </p:style>
-      </p:cxnSp>
-      <p:sp>
-        <p:nvSpPr>
-          <p:cNvPr id="99" name="TextBox 118">
-            <a:extLst>
-              <a:ext uri="{FF2B5EF4-FFF2-40B4-BE49-F238E27FC236}">
-                <a16:creationId xmlns:a16="http://schemas.microsoft.com/office/drawing/2014/main" id="{4CAF3D38-32E4-E6AA-FBFD-0B02257A2F07}"/>
-              </a:ext>
-            </a:extLst>
-          </p:cNvPr>
-          <p:cNvSpPr txBox="1"/>
-          <p:nvPr/>
-        </p:nvSpPr>
-        <p:spPr>
-          <a:xfrm>
-            <a:off x="4280139" y="3529348"/>
-            <a:ext cx="1752981" cy="276999"/>
-          </a:xfrm>
-          <a:prstGeom prst="rect">
-            <a:avLst/>
-          </a:prstGeom>
-        </p:spPr>
-        <p:style>
-          <a:lnRef idx="1">
-            <a:schemeClr val="accent3"/>
-          </a:lnRef>
-          <a:fillRef idx="2">
-            <a:schemeClr val="accent3"/>
-          </a:fillRef>
-          <a:effectRef idx="1">
-            <a:schemeClr val="accent3"/>
-          </a:effectRef>
-          <a:fontRef idx="minor">
-            <a:schemeClr val="dk1"/>
-          </a:fontRef>
-        </p:style>
-        <p:txBody>
-          <a:bodyPr wrap="square" rtlCol="0">
-            <a:spAutoFit/>
-          </a:bodyPr>
-          <a:lstStyle>
-            <a:defPPr>
-              <a:defRPr lang="zh-CN"/>
-            </a:defPPr>
-            <a:lvl1pPr>
-              <a:defRPr sz="1200">
-                <a:latin typeface="微软雅黑" panose="020B0503020204020204" pitchFamily="34" charset="-122"/>
-                <a:ea typeface="微软雅黑" panose="020B0503020204020204" pitchFamily="34" charset="-122"/>
-              </a:defRPr>
-            </a:lvl1pPr>
-          </a:lstStyle>
-          <a:p>
-            <a:r>
-              <a:rPr lang="en-US" altLang="zh-CN"/>
-              <a:t>ID_type == SYMBOL</a:t>
-            </a:r>
-            <a:endParaRPr lang="zh-CN" altLang="en-US" dirty="0"/>
-          </a:p>
-        </p:txBody>
-      </p:sp>
-      <p:cxnSp>
-        <p:nvCxnSpPr>
-          <p:cNvPr id="117" name="连接符: 肘形 116">
-            <a:extLst>
-              <a:ext uri="{FF2B5EF4-FFF2-40B4-BE49-F238E27FC236}">
-                <a16:creationId xmlns:a16="http://schemas.microsoft.com/office/drawing/2014/main" id="{036884A0-3BEF-BF3D-2081-46F762417973}"/>
-              </a:ext>
-            </a:extLst>
-          </p:cNvPr>
-          <p:cNvCxnSpPr>
-            <a:cxnSpLocks/>
-            <a:stCxn id="83" idx="2"/>
-            <a:endCxn id="99" idx="0"/>
-          </p:cNvCxnSpPr>
-          <p:nvPr/>
-        </p:nvCxnSpPr>
-        <p:spPr>
-          <a:xfrm rot="16200000" flipH="1">
-            <a:off x="4745487" y="3118204"/>
-            <a:ext cx="444175" cy="378112"/>
-          </a:xfrm>
-          <a:prstGeom prst="bentConnector3">
-            <a:avLst>
-              <a:gd name="adj1" fmla="val 50000"/>
-            </a:avLst>
-          </a:prstGeom>
-          <a:ln w="19050">
-            <a:tailEnd type="arrow"/>
-          </a:ln>
-        </p:spPr>
-        <p:style>
-          <a:lnRef idx="1">
-            <a:schemeClr val="accent1"/>
-          </a:lnRef>
-          <a:fillRef idx="0">
-            <a:schemeClr val="accent1"/>
-          </a:fillRef>
-          <a:effectRef idx="0">
-            <a:schemeClr val="accent1"/>
-          </a:effectRef>
-          <a:fontRef idx="minor">
-            <a:schemeClr val="tx1"/>
-          </a:fontRef>
-        </p:style>
-      </p:cxnSp>
-      <p:sp>
-        <p:nvSpPr>
-          <p:cNvPr id="121" name="TextBox 118">
-            <a:extLst>
-              <a:ext uri="{FF2B5EF4-FFF2-40B4-BE49-F238E27FC236}">
-                <a16:creationId xmlns:a16="http://schemas.microsoft.com/office/drawing/2014/main" id="{C4924E0E-3AF3-B82A-0646-7C97D8E6C409}"/>
-              </a:ext>
-            </a:extLst>
-          </p:cNvPr>
-          <p:cNvSpPr txBox="1"/>
-          <p:nvPr/>
-        </p:nvSpPr>
-        <p:spPr>
-          <a:xfrm>
-            <a:off x="3124912" y="4461744"/>
-            <a:ext cx="1517042" cy="461665"/>
-          </a:xfrm>
-          <a:prstGeom prst="rect">
-            <a:avLst/>
-          </a:prstGeom>
-        </p:spPr>
-        <p:style>
-          <a:lnRef idx="1">
-            <a:schemeClr val="accent3"/>
-          </a:lnRef>
-          <a:fillRef idx="2">
-            <a:schemeClr val="accent3"/>
-          </a:fillRef>
-          <a:effectRef idx="1">
-            <a:schemeClr val="accent3"/>
-          </a:effectRef>
-          <a:fontRef idx="minor">
-            <a:schemeClr val="dk1"/>
-          </a:fontRef>
-        </p:style>
-        <p:txBody>
-          <a:bodyPr wrap="square" rtlCol="0">
-            <a:spAutoFit/>
-          </a:bodyPr>
-          <a:lstStyle>
-            <a:defPPr>
-              <a:defRPr lang="zh-CN"/>
-            </a:defPPr>
-            <a:lvl1pPr>
-              <a:defRPr sz="1200">
-                <a:latin typeface="微软雅黑" panose="020B0503020204020204" pitchFamily="34" charset="-122"/>
-                <a:ea typeface="微软雅黑" panose="020B0503020204020204" pitchFamily="34" charset="-122"/>
-              </a:defRPr>
-            </a:lvl1pPr>
-          </a:lstStyle>
-          <a:p>
-            <a:r>
-              <a:rPr lang="zh-CN" altLang="en-US"/>
-              <a:t>根据</a:t>
-            </a:r>
-            <a:r>
-              <a:rPr lang="en-US" altLang="zh-CN"/>
-              <a:t>analysis_type</a:t>
-            </a:r>
-          </a:p>
-          <a:p>
-            <a:r>
-              <a:rPr lang="zh-CN" altLang="en-US"/>
-              <a:t>进行差异分析</a:t>
-            </a:r>
-            <a:r>
-              <a:rPr lang="en-US" altLang="zh-CN"/>
-              <a:t> </a:t>
-            </a:r>
-            <a:endParaRPr lang="zh-CN" altLang="en-US" dirty="0"/>
-          </a:p>
-        </p:txBody>
-      </p:sp>
-      <p:cxnSp>
-        <p:nvCxnSpPr>
-          <p:cNvPr id="122" name="连接符: 肘形 121">
-            <a:extLst>
-              <a:ext uri="{FF2B5EF4-FFF2-40B4-BE49-F238E27FC236}">
-                <a16:creationId xmlns:a16="http://schemas.microsoft.com/office/drawing/2014/main" id="{E792806F-E2B7-912C-BD00-3446C5110240}"/>
-              </a:ext>
-            </a:extLst>
-          </p:cNvPr>
-          <p:cNvCxnSpPr>
-            <a:cxnSpLocks/>
-            <a:stCxn id="99" idx="2"/>
-            <a:endCxn id="121" idx="0"/>
-          </p:cNvCxnSpPr>
-          <p:nvPr/>
-        </p:nvCxnSpPr>
-        <p:spPr>
-          <a:xfrm rot="5400000">
-            <a:off x="4192334" y="3497447"/>
-            <a:ext cx="655397" cy="1273197"/>
-          </a:xfrm>
-          <a:prstGeom prst="bentConnector3">
-            <a:avLst>
-              <a:gd name="adj1" fmla="val 50000"/>
-            </a:avLst>
-          </a:prstGeom>
-          <a:ln w="19050">
-            <a:tailEnd type="arrow"/>
-          </a:ln>
-        </p:spPr>
-        <p:style>
-          <a:lnRef idx="1">
-            <a:schemeClr val="accent1"/>
-          </a:lnRef>
-          <a:fillRef idx="0">
-            <a:schemeClr val="accent1"/>
-          </a:fillRef>
-          <a:effectRef idx="0">
-            <a:schemeClr val="accent1"/>
-          </a:effectRef>
-          <a:fontRef idx="minor">
-            <a:schemeClr val="tx1"/>
-          </a:fontRef>
-        </p:style>
-      </p:cxnSp>
-      <p:sp>
-        <p:nvSpPr>
-          <p:cNvPr id="126" name="TextBox 28">
-            <a:extLst>
-              <a:ext uri="{FF2B5EF4-FFF2-40B4-BE49-F238E27FC236}">
-                <a16:creationId xmlns:a16="http://schemas.microsoft.com/office/drawing/2014/main" id="{0824C52A-1677-B9B6-AB6C-69BCB3028E8B}"/>
-              </a:ext>
-            </a:extLst>
-          </p:cNvPr>
-          <p:cNvSpPr txBox="1"/>
-          <p:nvPr/>
-        </p:nvSpPr>
-        <p:spPr>
-          <a:xfrm>
-            <a:off x="4063305" y="3852515"/>
-            <a:ext cx="827937" cy="276999"/>
-          </a:xfrm>
-          <a:prstGeom prst="rect">
-            <a:avLst/>
-          </a:prstGeom>
-          <a:noFill/>
-          <a:ln>
-            <a:noFill/>
-          </a:ln>
-        </p:spPr>
-        <p:style>
-          <a:lnRef idx="1">
-            <a:schemeClr val="accent2"/>
-          </a:lnRef>
-          <a:fillRef idx="2">
-            <a:schemeClr val="accent2"/>
-          </a:fillRef>
-          <a:effectRef idx="1">
-            <a:schemeClr val="accent2"/>
-          </a:effectRef>
-          <a:fontRef idx="minor">
-            <a:schemeClr val="dk1"/>
-          </a:fontRef>
-        </p:style>
-        <p:txBody>
-          <a:bodyPr wrap="square" rtlCol="0">
-            <a:spAutoFit/>
-          </a:bodyPr>
-          <a:lstStyle>
-            <a:defPPr>
-              <a:defRPr lang="zh-CN"/>
-            </a:defPPr>
-            <a:lvl1pPr>
-              <a:defRPr sz="1200" b="1">
-                <a:solidFill>
-                  <a:schemeClr val="accent6">
-                    <a:lumMod val="75000"/>
-                  </a:schemeClr>
-                </a:solidFill>
-                <a:latin typeface="微软雅黑" panose="020B0503020204020204" pitchFamily="34" charset="-122"/>
-                <a:ea typeface="微软雅黑" panose="020B0503020204020204" pitchFamily="34" charset="-122"/>
-              </a:defRPr>
-            </a:lvl1pPr>
-          </a:lstStyle>
-          <a:p>
-            <a:r>
-              <a:rPr lang="en-US" altLang="zh-CN"/>
-              <a:t>TRUE</a:t>
-            </a:r>
-            <a:endParaRPr lang="zh-CN" altLang="en-US" dirty="0"/>
-          </a:p>
-        </p:txBody>
-      </p:sp>
-      <p:cxnSp>
-        <p:nvCxnSpPr>
-          <p:cNvPr id="133" name="连接符: 肘形 132">
-            <a:extLst>
-              <a:ext uri="{FF2B5EF4-FFF2-40B4-BE49-F238E27FC236}">
-                <a16:creationId xmlns:a16="http://schemas.microsoft.com/office/drawing/2014/main" id="{E52EBFB2-4E0A-C0FA-D1A2-BE71BB35EF30}"/>
-              </a:ext>
-            </a:extLst>
-          </p:cNvPr>
-          <p:cNvCxnSpPr>
-            <a:cxnSpLocks/>
-            <a:stCxn id="78" idx="2"/>
-            <a:endCxn id="121" idx="1"/>
-          </p:cNvCxnSpPr>
-          <p:nvPr/>
-        </p:nvCxnSpPr>
-        <p:spPr>
-          <a:xfrm rot="16200000" flipH="1">
-            <a:off x="2102916" y="3670580"/>
-            <a:ext cx="1607405" cy="436588"/>
-          </a:xfrm>
-          <a:prstGeom prst="bentConnector2">
-            <a:avLst/>
-          </a:prstGeom>
-          <a:ln w="19050">
-            <a:tailEnd type="arrow"/>
-          </a:ln>
-        </p:spPr>
-        <p:style>
-          <a:lnRef idx="1">
-            <a:schemeClr val="accent1"/>
-          </a:lnRef>
-          <a:fillRef idx="0">
-            <a:schemeClr val="accent1"/>
-          </a:fillRef>
-          <a:effectRef idx="0">
-            <a:schemeClr val="accent1"/>
-          </a:effectRef>
-          <a:fontRef idx="minor">
-            <a:schemeClr val="tx1"/>
-          </a:fontRef>
-        </p:style>
-      </p:cxnSp>
-      <p:cxnSp>
-        <p:nvCxnSpPr>
-          <p:cNvPr id="136" name="连接符: 肘形 135">
-            <a:extLst>
-              <a:ext uri="{FF2B5EF4-FFF2-40B4-BE49-F238E27FC236}">
-                <a16:creationId xmlns:a16="http://schemas.microsoft.com/office/drawing/2014/main" id="{3DF5CD80-6BAA-4B62-BA93-37BADD6F751B}"/>
-              </a:ext>
-            </a:extLst>
-          </p:cNvPr>
-          <p:cNvCxnSpPr>
-            <a:cxnSpLocks/>
-            <a:stCxn id="99" idx="2"/>
-            <a:endCxn id="139" idx="1"/>
-          </p:cNvCxnSpPr>
-          <p:nvPr/>
-        </p:nvCxnSpPr>
-        <p:spPr>
-          <a:xfrm rot="16200000" flipH="1">
-            <a:off x="5369807" y="3593169"/>
-            <a:ext cx="332169" cy="758523"/>
-          </a:xfrm>
-          <a:prstGeom prst="bentConnector2">
-            <a:avLst/>
-          </a:prstGeom>
-          <a:ln w="19050">
-            <a:tailEnd type="arrow"/>
-          </a:ln>
-        </p:spPr>
-        <p:style>
-          <a:lnRef idx="1">
-            <a:schemeClr val="accent1"/>
-          </a:lnRef>
-          <a:fillRef idx="0">
-            <a:schemeClr val="accent1"/>
-          </a:fillRef>
-          <a:effectRef idx="0">
-            <a:schemeClr val="accent1"/>
-          </a:effectRef>
-          <a:fontRef idx="minor">
-            <a:schemeClr val="tx1"/>
-          </a:fontRef>
-        </p:style>
-      </p:cxnSp>
-      <p:sp>
-        <p:nvSpPr>
-          <p:cNvPr id="139" name="TextBox 118">
-            <a:extLst>
-              <a:ext uri="{FF2B5EF4-FFF2-40B4-BE49-F238E27FC236}">
-                <a16:creationId xmlns:a16="http://schemas.microsoft.com/office/drawing/2014/main" id="{A9F508A9-ADF8-7C0C-7467-762009F92E44}"/>
-              </a:ext>
-            </a:extLst>
-          </p:cNvPr>
-          <p:cNvSpPr txBox="1"/>
-          <p:nvPr/>
-        </p:nvSpPr>
-        <p:spPr>
-          <a:xfrm>
-            <a:off x="5915153" y="4000016"/>
-            <a:ext cx="708091" cy="276999"/>
-          </a:xfrm>
-          <a:prstGeom prst="rect">
-            <a:avLst/>
-          </a:prstGeom>
-        </p:spPr>
-        <p:style>
-          <a:lnRef idx="1">
-            <a:schemeClr val="accent3"/>
-          </a:lnRef>
-          <a:fillRef idx="2">
-            <a:schemeClr val="accent3"/>
-          </a:fillRef>
-          <a:effectRef idx="1">
-            <a:schemeClr val="accent3"/>
-          </a:effectRef>
-          <a:fontRef idx="minor">
-            <a:schemeClr val="dk1"/>
-          </a:fontRef>
-        </p:style>
-        <p:txBody>
-          <a:bodyPr wrap="square" rtlCol="0">
-            <a:spAutoFit/>
-          </a:bodyPr>
-          <a:lstStyle/>
-          <a:p>
-            <a:r>
-              <a:rPr lang="en-US" altLang="zh-CN" sz="1200">
-                <a:latin typeface="微软雅黑" panose="020B0503020204020204" pitchFamily="34" charset="-122"/>
-                <a:ea typeface="微软雅黑" panose="020B0503020204020204" pitchFamily="34" charset="-122"/>
-              </a:rPr>
-              <a:t>ID</a:t>
-            </a:r>
-            <a:r>
-              <a:rPr lang="zh-CN" altLang="en-US" sz="1200">
-                <a:latin typeface="微软雅黑" panose="020B0503020204020204" pitchFamily="34" charset="-122"/>
-                <a:ea typeface="微软雅黑" panose="020B0503020204020204" pitchFamily="34" charset="-122"/>
-              </a:rPr>
-              <a:t>转换</a:t>
-            </a:r>
-            <a:endParaRPr lang="zh-CN" altLang="en-US" sz="1200" dirty="0">
-              <a:latin typeface="微软雅黑" panose="020B0503020204020204" pitchFamily="34" charset="-122"/>
-              <a:ea typeface="微软雅黑" panose="020B0503020204020204" pitchFamily="34" charset="-122"/>
-            </a:endParaRPr>
-          </a:p>
-        </p:txBody>
-      </p:sp>
-      <p:cxnSp>
-        <p:nvCxnSpPr>
-          <p:cNvPr id="143" name="连接符: 肘形 142">
-            <a:extLst>
-              <a:ext uri="{FF2B5EF4-FFF2-40B4-BE49-F238E27FC236}">
-                <a16:creationId xmlns:a16="http://schemas.microsoft.com/office/drawing/2014/main" id="{622B22E8-00E8-F6B5-1C3C-C6AB76A769F2}"/>
-              </a:ext>
-            </a:extLst>
-          </p:cNvPr>
-          <p:cNvCxnSpPr>
-            <a:cxnSpLocks/>
-            <a:stCxn id="139" idx="2"/>
-            <a:endCxn id="121" idx="3"/>
-          </p:cNvCxnSpPr>
-          <p:nvPr/>
-        </p:nvCxnSpPr>
-        <p:spPr>
-          <a:xfrm rot="5400000">
-            <a:off x="5247796" y="3671174"/>
-            <a:ext cx="415562" cy="1627245"/>
-          </a:xfrm>
-          <a:prstGeom prst="bentConnector2">
-            <a:avLst/>
-          </a:prstGeom>
-          <a:ln w="19050">
-            <a:tailEnd type="arrow"/>
-          </a:ln>
-        </p:spPr>
-        <p:style>
-          <a:lnRef idx="1">
-            <a:schemeClr val="accent1"/>
-          </a:lnRef>
-          <a:fillRef idx="0">
-            <a:schemeClr val="accent1"/>
-          </a:fillRef>
-          <a:effectRef idx="0">
-            <a:schemeClr val="accent1"/>
-          </a:effectRef>
-          <a:fontRef idx="minor">
-            <a:schemeClr val="tx1"/>
-          </a:fontRef>
-        </p:style>
-      </p:cxnSp>
-      <p:sp>
-        <p:nvSpPr>
-          <p:cNvPr id="146" name="TextBox 28">
-            <a:extLst>
-              <a:ext uri="{FF2B5EF4-FFF2-40B4-BE49-F238E27FC236}">
-                <a16:creationId xmlns:a16="http://schemas.microsoft.com/office/drawing/2014/main" id="{4191F743-11BF-690B-0BAD-4C08E48A25C8}"/>
-              </a:ext>
-            </a:extLst>
-          </p:cNvPr>
-          <p:cNvSpPr txBox="1"/>
-          <p:nvPr/>
-        </p:nvSpPr>
-        <p:spPr>
-          <a:xfrm>
-            <a:off x="5218792" y="3846263"/>
-            <a:ext cx="827937" cy="276999"/>
-          </a:xfrm>
-          <a:prstGeom prst="rect">
-            <a:avLst/>
-          </a:prstGeom>
-          <a:noFill/>
-          <a:ln>
-            <a:noFill/>
-          </a:ln>
-        </p:spPr>
-        <p:style>
-          <a:lnRef idx="1">
-            <a:schemeClr val="accent2"/>
-          </a:lnRef>
-          <a:fillRef idx="2">
-            <a:schemeClr val="accent2"/>
-          </a:fillRef>
-          <a:effectRef idx="1">
-            <a:schemeClr val="accent2"/>
-          </a:effectRef>
-          <a:fontRef idx="minor">
-            <a:schemeClr val="dk1"/>
-          </a:fontRef>
-        </p:style>
-        <p:txBody>
-          <a:bodyPr wrap="square" rtlCol="0">
-            <a:spAutoFit/>
-          </a:bodyPr>
-          <a:lstStyle>
-            <a:defPPr>
-              <a:defRPr lang="zh-CN"/>
-            </a:defPPr>
-            <a:lvl1pPr>
-              <a:defRPr sz="1200" b="1">
-                <a:solidFill>
-                  <a:schemeClr val="accent6">
-                    <a:lumMod val="75000"/>
-                  </a:schemeClr>
-                </a:solidFill>
-                <a:latin typeface="微软雅黑" panose="020B0503020204020204" pitchFamily="34" charset="-122"/>
-                <a:ea typeface="微软雅黑" panose="020B0503020204020204" pitchFamily="34" charset="-122"/>
-              </a:defRPr>
-            </a:lvl1pPr>
-          </a:lstStyle>
-          <a:p>
-            <a:r>
-              <a:rPr lang="en-US" altLang="zh-CN"/>
-              <a:t>FALSE</a:t>
-            </a:r>
-            <a:endParaRPr lang="zh-CN" altLang="en-US" dirty="0"/>
-          </a:p>
-        </p:txBody>
-      </p:sp>
-    </p:spTree>
-    <p:extLst>
-      <p:ext uri="{BB962C8B-B14F-4D97-AF65-F5344CB8AC3E}">
-        <p14:creationId xmlns:p14="http://schemas.microsoft.com/office/powerpoint/2010/main" val="1265372107"/>
       </p:ext>
     </p:extLst>
   </p:cSld>
